--- a/Data/sample.pptx
+++ b/Data/sample.pptx
@@ -104,22 +104,6 @@
       </a:defRPr>
     </a:lvl9pPr>
   </p:defaultTextStyle>
-  <p:extLst>
-    <p:ext uri="{EFAFB233-063F-42B5-8137-9DF3F51BA10A}">
-      <p15:sldGuideLst xmlns:p15="http://schemas.microsoft.com/office/powerpoint/2012/main">
-        <p15:guide id="1" orient="horz" pos="2160">
-          <p15:clr>
-            <a:srgbClr val="A4A3A4"/>
-          </p15:clr>
-        </p15:guide>
-        <p15:guide id="2" pos="2880">
-          <p15:clr>
-            <a:srgbClr val="A4A3A4"/>
-          </p15:clr>
-        </p15:guide>
-      </p15:sldGuideLst>
-    </p:ext>
-  </p:extLst>
 </p:presentation>
 </file>
 
@@ -304,7 +288,7 @@
           <a:p>
             <a:fld id="{30A4502A-5C27-491E-B748-8812587D2D8C}" type="datetimeFigureOut">
               <a:rPr lang="en-US" smtClean="0"/>
-              <a:t>2/12/2016</a:t>
+              <a:t>7/17/2014</a:t>
             </a:fld>
             <a:endParaRPr lang="en-US"/>
           </a:p>
@@ -469,7 +453,7 @@
           <a:p>
             <a:fld id="{30A4502A-5C27-491E-B748-8812587D2D8C}" type="datetimeFigureOut">
               <a:rPr lang="en-US" smtClean="0"/>
-              <a:t>2/12/2016</a:t>
+              <a:t>7/17/2014</a:t>
             </a:fld>
             <a:endParaRPr lang="en-US"/>
           </a:p>
@@ -644,7 +628,7 @@
           <a:p>
             <a:fld id="{30A4502A-5C27-491E-B748-8812587D2D8C}" type="datetimeFigureOut">
               <a:rPr lang="en-US" smtClean="0"/>
-              <a:t>2/12/2016</a:t>
+              <a:t>7/17/2014</a:t>
             </a:fld>
             <a:endParaRPr lang="en-US"/>
           </a:p>
@@ -809,7 +793,7 @@
           <a:p>
             <a:fld id="{30A4502A-5C27-491E-B748-8812587D2D8C}" type="datetimeFigureOut">
               <a:rPr lang="en-US" smtClean="0"/>
-              <a:t>2/12/2016</a:t>
+              <a:t>7/17/2014</a:t>
             </a:fld>
             <a:endParaRPr lang="en-US"/>
           </a:p>
@@ -1050,7 +1034,7 @@
           <a:p>
             <a:fld id="{30A4502A-5C27-491E-B748-8812587D2D8C}" type="datetimeFigureOut">
               <a:rPr lang="en-US" smtClean="0"/>
-              <a:t>2/12/2016</a:t>
+              <a:t>7/17/2014</a:t>
             </a:fld>
             <a:endParaRPr lang="en-US"/>
           </a:p>
@@ -1333,7 +1317,7 @@
           <a:p>
             <a:fld id="{30A4502A-5C27-491E-B748-8812587D2D8C}" type="datetimeFigureOut">
               <a:rPr lang="en-US" smtClean="0"/>
-              <a:t>2/12/2016</a:t>
+              <a:t>7/17/2014</a:t>
             </a:fld>
             <a:endParaRPr lang="en-US"/>
           </a:p>
@@ -1750,7 +1734,7 @@
           <a:p>
             <a:fld id="{30A4502A-5C27-491E-B748-8812587D2D8C}" type="datetimeFigureOut">
               <a:rPr lang="en-US" smtClean="0"/>
-              <a:t>2/12/2016</a:t>
+              <a:t>7/17/2014</a:t>
             </a:fld>
             <a:endParaRPr lang="en-US"/>
           </a:p>
@@ -1863,7 +1847,7 @@
           <a:p>
             <a:fld id="{30A4502A-5C27-491E-B748-8812587D2D8C}" type="datetimeFigureOut">
               <a:rPr lang="en-US" smtClean="0"/>
-              <a:t>2/12/2016</a:t>
+              <a:t>7/17/2014</a:t>
             </a:fld>
             <a:endParaRPr lang="en-US"/>
           </a:p>
@@ -1953,7 +1937,7 @@
           <a:p>
             <a:fld id="{30A4502A-5C27-491E-B748-8812587D2D8C}" type="datetimeFigureOut">
               <a:rPr lang="en-US" smtClean="0"/>
-              <a:t>2/12/2016</a:t>
+              <a:t>7/17/2014</a:t>
             </a:fld>
             <a:endParaRPr lang="en-US"/>
           </a:p>
@@ -2225,7 +2209,7 @@
           <a:p>
             <a:fld id="{30A4502A-5C27-491E-B748-8812587D2D8C}" type="datetimeFigureOut">
               <a:rPr lang="en-US" smtClean="0"/>
-              <a:t>2/12/2016</a:t>
+              <a:t>7/17/2014</a:t>
             </a:fld>
             <a:endParaRPr lang="en-US"/>
           </a:p>
@@ -2473,7 +2457,7 @@
           <a:p>
             <a:fld id="{30A4502A-5C27-491E-B748-8812587D2D8C}" type="datetimeFigureOut">
               <a:rPr lang="en-US" smtClean="0"/>
-              <a:t>2/12/2016</a:t>
+              <a:t>7/17/2014</a:t>
             </a:fld>
             <a:endParaRPr lang="en-US"/>
           </a:p>
@@ -2681,7 +2665,7 @@
           <a:p>
             <a:fld id="{30A4502A-5C27-491E-B748-8812587D2D8C}" type="datetimeFigureOut">
               <a:rPr lang="en-US" smtClean="0"/>
-              <a:t>2/12/2016</a:t>
+              <a:t>7/17/2014</a:t>
             </a:fld>
             <a:endParaRPr lang="en-US"/>
           </a:p>
@@ -3131,16 +3115,10 @@
           <p:cNvGraphicFramePr>
             <a:graphicFrameLocks noGrp="1"/>
           </p:cNvGraphicFramePr>
-          <p:nvPr>
-            <p:extLst>
-              <p:ext uri="{D42A27DB-BD31-4B8C-83A1-F6EECF244321}">
-                <p14:modId xmlns:p14="http://schemas.microsoft.com/office/powerpoint/2010/main" val="1677582623"/>
-              </p:ext>
-            </p:extLst>
-          </p:nvPr>
+          <p:nvPr/>
         </p:nvGraphicFramePr>
         <p:xfrm>
-          <a:off x="1524000" y="145889"/>
+          <a:off x="1524000" y="1397000"/>
           <a:ext cx="6096000" cy="1483360"/>
         </p:xfrm>
         <a:graphic>
@@ -3321,7 +3299,7 @@
                     <a:lstStyle/>
                     <a:p>
                       <a:r>
-                        <a:rPr lang="en-US" dirty="0" smtClean="0"/>
+                        <a:rPr lang="en-US" smtClean="0"/>
                         <a:t>875</a:t>
                       </a:r>
                       <a:endParaRPr lang="en-US" dirty="0"/>
@@ -3334,48 +3312,6 @@
           </a:graphicData>
         </a:graphic>
       </p:graphicFrame>
-      <p:sp>
-        <p:nvSpPr>
-          <p:cNvPr id="5" name="TextBox 4"/>
-          <p:cNvSpPr txBox="1"/>
-          <p:nvPr/>
-        </p:nvSpPr>
-        <p:spPr>
-          <a:xfrm>
-            <a:off x="2590800" y="2133600"/>
-            <a:ext cx="4267200" cy="369332"/>
-          </a:xfrm>
-          <a:prstGeom prst="rect">
-            <a:avLst/>
-          </a:prstGeom>
-          <a:noFill/>
-        </p:spPr>
-        <p:txBody>
-          <a:bodyPr wrap="square" rtlCol="0">
-            <a:spAutoFit/>
-          </a:bodyPr>
-          <a:lstStyle/>
-          <a:p>
-            <a:r>
-              <a:rPr lang="en-US" dirty="0" smtClean="0"/>
-              <a:t>TEST </a:t>
-            </a:r>
-            <a:r>
-              <a:rPr lang="en-US" dirty="0" err="1" smtClean="0"/>
-              <a:t>TEST</a:t>
-            </a:r>
-            <a:r>
-              <a:rPr lang="en-US" dirty="0" smtClean="0"/>
-              <a:t> </a:t>
-            </a:r>
-            <a:r>
-              <a:rPr lang="en-US" dirty="0" err="1" smtClean="0"/>
-              <a:t>TEST</a:t>
-            </a:r>
-            <a:endParaRPr lang="en-US" dirty="0"/>
-          </a:p>
-        </p:txBody>
-      </p:sp>
     </p:spTree>
   </p:cSld>
   <p:clrMapOvr>
